--- a/cat-detector/Setup.pptx
+++ b/cat-detector/Setup.pptx
@@ -197,7 +197,7 @@
           <a:p>
             <a:fld id="{F0851065-485E-EE4A-B152-627983FBACD4}" type="datetimeFigureOut">
               <a:rPr lang="en-US" smtClean="0"/>
-              <a:t>10/11/20</a:t>
+              <a:t>10/12/20</a:t>
             </a:fld>
             <a:endParaRPr lang="en-US"/>
           </a:p>
@@ -611,7 +611,7 @@
           <a:p>
             <a:fld id="{14EBD11E-09C1-4C4A-8911-B3B727C5DACB}" type="datetimeFigureOut">
               <a:rPr lang="en-US" smtClean="0"/>
-              <a:t>10/11/20</a:t>
+              <a:t>10/12/20</a:t>
             </a:fld>
             <a:endParaRPr lang="en-US"/>
           </a:p>
@@ -809,7 +809,7 @@
           <a:p>
             <a:fld id="{14EBD11E-09C1-4C4A-8911-B3B727C5DACB}" type="datetimeFigureOut">
               <a:rPr lang="en-US" smtClean="0"/>
-              <a:t>10/11/20</a:t>
+              <a:t>10/12/20</a:t>
             </a:fld>
             <a:endParaRPr lang="en-US"/>
           </a:p>
@@ -1017,7 +1017,7 @@
           <a:p>
             <a:fld id="{14EBD11E-09C1-4C4A-8911-B3B727C5DACB}" type="datetimeFigureOut">
               <a:rPr lang="en-US" smtClean="0"/>
-              <a:t>10/11/20</a:t>
+              <a:t>10/12/20</a:t>
             </a:fld>
             <a:endParaRPr lang="en-US"/>
           </a:p>
@@ -1215,7 +1215,7 @@
           <a:p>
             <a:fld id="{14EBD11E-09C1-4C4A-8911-B3B727C5DACB}" type="datetimeFigureOut">
               <a:rPr lang="en-US" smtClean="0"/>
-              <a:t>10/11/20</a:t>
+              <a:t>10/12/20</a:t>
             </a:fld>
             <a:endParaRPr lang="en-US"/>
           </a:p>
@@ -1490,7 +1490,7 @@
           <a:p>
             <a:fld id="{14EBD11E-09C1-4C4A-8911-B3B727C5DACB}" type="datetimeFigureOut">
               <a:rPr lang="en-US" smtClean="0"/>
-              <a:t>10/11/20</a:t>
+              <a:t>10/12/20</a:t>
             </a:fld>
             <a:endParaRPr lang="en-US"/>
           </a:p>
@@ -1755,7 +1755,7 @@
           <a:p>
             <a:fld id="{14EBD11E-09C1-4C4A-8911-B3B727C5DACB}" type="datetimeFigureOut">
               <a:rPr lang="en-US" smtClean="0"/>
-              <a:t>10/11/20</a:t>
+              <a:t>10/12/20</a:t>
             </a:fld>
             <a:endParaRPr lang="en-US"/>
           </a:p>
@@ -2167,7 +2167,7 @@
           <a:p>
             <a:fld id="{14EBD11E-09C1-4C4A-8911-B3B727C5DACB}" type="datetimeFigureOut">
               <a:rPr lang="en-US" smtClean="0"/>
-              <a:t>10/11/20</a:t>
+              <a:t>10/12/20</a:t>
             </a:fld>
             <a:endParaRPr lang="en-US"/>
           </a:p>
@@ -2308,7 +2308,7 @@
           <a:p>
             <a:fld id="{14EBD11E-09C1-4C4A-8911-B3B727C5DACB}" type="datetimeFigureOut">
               <a:rPr lang="en-US" smtClean="0"/>
-              <a:t>10/11/20</a:t>
+              <a:t>10/12/20</a:t>
             </a:fld>
             <a:endParaRPr lang="en-US"/>
           </a:p>
@@ -2421,7 +2421,7 @@
           <a:p>
             <a:fld id="{14EBD11E-09C1-4C4A-8911-B3B727C5DACB}" type="datetimeFigureOut">
               <a:rPr lang="en-US" smtClean="0"/>
-              <a:t>10/11/20</a:t>
+              <a:t>10/12/20</a:t>
             </a:fld>
             <a:endParaRPr lang="en-US"/>
           </a:p>
@@ -2732,7 +2732,7 @@
           <a:p>
             <a:fld id="{14EBD11E-09C1-4C4A-8911-B3B727C5DACB}" type="datetimeFigureOut">
               <a:rPr lang="en-US" smtClean="0"/>
-              <a:t>10/11/20</a:t>
+              <a:t>10/12/20</a:t>
             </a:fld>
             <a:endParaRPr lang="en-US"/>
           </a:p>
@@ -3020,7 +3020,7 @@
           <a:p>
             <a:fld id="{14EBD11E-09C1-4C4A-8911-B3B727C5DACB}" type="datetimeFigureOut">
               <a:rPr lang="en-US" smtClean="0"/>
-              <a:t>10/11/20</a:t>
+              <a:t>10/12/20</a:t>
             </a:fld>
             <a:endParaRPr lang="en-US"/>
           </a:p>
@@ -3261,7 +3261,7 @@
           <a:p>
             <a:fld id="{14EBD11E-09C1-4C4A-8911-B3B727C5DACB}" type="datetimeFigureOut">
               <a:rPr lang="en-US" smtClean="0"/>
-              <a:t>10/11/20</a:t>
+              <a:t>10/12/20</a:t>
             </a:fld>
             <a:endParaRPr lang="en-US"/>
           </a:p>
@@ -3724,6 +3724,12 @@
                 <a:hlinkClick r:id="rId2"/>
               </a:rPr>
               <a:t>https://github.com/fourTheorem/workshops</a:t>
+            </a:r>
+            <a:r>
+              <a:rPr lang="en-US" sz="3600" b="1">
+                <a:hlinkClick r:id="rId2"/>
+              </a:rPr>
+              <a:t>.git</a:t>
             </a:r>
             <a:endParaRPr lang="en-US" sz="3600" b="1" dirty="0"/>
           </a:p>
